--- a/A New Social LIFE.pptx
+++ b/A New Social LIFE.pptx
@@ -20,9 +20,11 @@
     <p:sldId id="266" r:id="rId14"/>
     <p:sldId id="274" r:id="rId15"/>
     <p:sldId id="267" r:id="rId16"/>
-    <p:sldId id="275" r:id="rId17"/>
-    <p:sldId id="276" r:id="rId18"/>
-    <p:sldId id="277" r:id="rId19"/>
+    <p:sldId id="279" r:id="rId17"/>
+    <p:sldId id="275" r:id="rId18"/>
+    <p:sldId id="278" r:id="rId19"/>
+    <p:sldId id="276" r:id="rId20"/>
+    <p:sldId id="277" r:id="rId21"/>
   </p:sldIdLst>
   <p:sldSz cx="12192000" cy="6858000"/>
   <p:notesSz cx="6858000" cy="9144000"/>
@@ -532,7 +534,7 @@
           <a:p>
             <a:fld id="{83284890-85D2-4D7B-8EF5-15A9C1DB8F42}" type="datetimeFigureOut">
               <a:rPr lang="en-US" dirty="0"/>
-              <a:t>8/12/2020</a:t>
+              <a:t>8/13/2020</a:t>
             </a:fld>
             <a:endParaRPr lang="en-US" dirty="0"/>
           </a:p>
@@ -707,7 +709,7 @@
           <a:p>
             <a:fld id="{87157CC2-0FC8-4686-B024-99790E0F5162}" type="datetimeFigureOut">
               <a:rPr lang="en-US" dirty="0"/>
-              <a:t>8/12/2020</a:t>
+              <a:t>8/13/2020</a:t>
             </a:fld>
             <a:endParaRPr lang="en-US" dirty="0"/>
           </a:p>
@@ -882,7 +884,7 @@
           <a:p>
             <a:fld id="{F6764DA5-CD3D-4590-A511-FCD3BC7A793E}" type="datetimeFigureOut">
               <a:rPr lang="en-US" dirty="0"/>
-              <a:t>8/12/2020</a:t>
+              <a:t>8/13/2020</a:t>
             </a:fld>
             <a:endParaRPr lang="en-US" dirty="0"/>
           </a:p>
@@ -1047,7 +1049,7 @@
           <a:p>
             <a:fld id="{82F5661D-6934-4B32-B92C-470368BF1EC6}" type="datetimeFigureOut">
               <a:rPr lang="en-US" dirty="0"/>
-              <a:t>8/12/2020</a:t>
+              <a:t>8/13/2020</a:t>
             </a:fld>
             <a:endParaRPr lang="en-US" dirty="0"/>
           </a:p>
@@ -1355,7 +1357,7 @@
           <a:p>
             <a:fld id="{C6F822A4-8DA6-4447-9B1F-C5DB58435268}" type="datetimeFigureOut">
               <a:rPr lang="en-US" dirty="0"/>
-              <a:t>8/12/2020</a:t>
+              <a:t>8/13/2020</a:t>
             </a:fld>
             <a:endParaRPr lang="en-US" dirty="0"/>
           </a:p>
@@ -1737,7 +1739,7 @@
           <a:p>
             <a:fld id="{E548D31E-DCDA-41A7-9C67-C4B11B94D21D}" type="datetimeFigureOut">
               <a:rPr lang="en-US" dirty="0"/>
-              <a:t>8/12/2020</a:t>
+              <a:t>8/13/2020</a:t>
             </a:fld>
             <a:endParaRPr lang="en-US" dirty="0"/>
           </a:p>
@@ -2166,7 +2168,7 @@
           <a:p>
             <a:fld id="{9B3762C0-B258-48F1-ADE6-176B4174CCDD}" type="datetimeFigureOut">
               <a:rPr lang="en-US" dirty="0"/>
-              <a:t>8/12/2020</a:t>
+              <a:t>8/13/2020</a:t>
             </a:fld>
             <a:endParaRPr lang="en-US" dirty="0"/>
           </a:p>
@@ -2279,7 +2281,7 @@
           <a:p>
             <a:fld id="{677919A6-33EB-49BD-A62F-1FA56B9F9712}" type="datetimeFigureOut">
               <a:rPr lang="en-US" dirty="0"/>
-              <a:t>8/12/2020</a:t>
+              <a:t>8/13/2020</a:t>
             </a:fld>
             <a:endParaRPr lang="en-US" dirty="0"/>
           </a:p>
@@ -2369,7 +2371,7 @@
           <a:p>
             <a:fld id="{CA4E7D1B-D673-4CF6-8672-009D42ABD2A0}" type="datetimeFigureOut">
               <a:rPr lang="en-US" dirty="0"/>
-              <a:t>8/12/2020</a:t>
+              <a:t>8/13/2020</a:t>
             </a:fld>
             <a:endParaRPr lang="en-US" dirty="0"/>
           </a:p>
@@ -2714,7 +2716,7 @@
           <a:p>
             <a:fld id="{DA16AA21-1863-4931-97CB-99D0A168701B}" type="datetimeFigureOut">
               <a:rPr lang="en-US" dirty="0"/>
-              <a:t>8/12/2020</a:t>
+              <a:t>8/13/2020</a:t>
             </a:fld>
             <a:endParaRPr lang="en-US" dirty="0"/>
           </a:p>
@@ -3134,7 +3136,7 @@
           <a:p>
             <a:fld id="{3772C379-9A7C-4C87-A116-CBE9F58B04C5}" type="datetimeFigureOut">
               <a:rPr lang="en-US" dirty="0"/>
-              <a:t>8/12/2020</a:t>
+              <a:t>8/13/2020</a:t>
             </a:fld>
             <a:endParaRPr lang="en-US" dirty="0"/>
           </a:p>
@@ -3410,7 +3412,7 @@
           <a:p>
             <a:fld id="{8664C608-40B1-4030-A28D-5B74BC98ADCE}" type="datetimeFigureOut">
               <a:rPr lang="en-US" dirty="0"/>
-              <a:t>8/12/2020</a:t>
+              <a:t>8/13/2020</a:t>
             </a:fld>
             <a:endParaRPr lang="en-US" dirty="0"/>
           </a:p>
@@ -5323,8 +5325,8 @@
         </p:nvSpPr>
         <p:spPr>
           <a:xfrm>
-            <a:off x="390579" y="927463"/>
-            <a:ext cx="9628632" cy="1248809"/>
+            <a:off x="143691" y="927463"/>
+            <a:ext cx="10281775" cy="1510066"/>
           </a:xfrm>
         </p:spPr>
         <p:txBody>
@@ -5332,16 +5334,44 @@
           <a:lstStyle/>
           <a:p>
             <a:r>
+              <a:rPr lang="en-US" dirty="0"/>
+              <a:t>For this graphical demonstration we have the top 30 cities with very lowest </a:t>
+            </a:r>
+            <a:r>
               <a:rPr lang="en-US" dirty="0" smtClean="0"/>
-              <a:t>Create maps for see the venues in each city </a:t>
-            </a:r>
-            <a:endParaRPr lang="en-US" dirty="0"/>
-          </a:p>
-        </p:txBody>
-      </p:sp>
-      <p:sp>
-        <p:nvSpPr>
-          <p:cNvPr id="4" name="Title 1"/>
+              <a:t>house prices in average</a:t>
+            </a:r>
+            <a:endParaRPr lang="en-US" dirty="0"/>
+          </a:p>
+        </p:txBody>
+      </p:sp>
+      <p:pic>
+        <p:nvPicPr>
+          <p:cNvPr id="4" name="Picture 3"/>
+          <p:cNvPicPr>
+            <a:picLocks noChangeAspect="1"/>
+          </p:cNvPicPr>
+          <p:nvPr/>
+        </p:nvPicPr>
+        <p:blipFill>
+          <a:blip r:embed="rId2"/>
+          <a:stretch>
+            <a:fillRect/>
+          </a:stretch>
+        </p:blipFill>
+        <p:spPr>
+          <a:xfrm>
+            <a:off x="1185479" y="2696255"/>
+            <a:ext cx="8848725" cy="3686175"/>
+          </a:xfrm>
+          <a:prstGeom prst="rect">
+            <a:avLst/>
+          </a:prstGeom>
+        </p:spPr>
+      </p:pic>
+      <p:sp>
+        <p:nvSpPr>
+          <p:cNvPr id="6" name="Title 1"/>
           <p:cNvSpPr>
             <a:spLocks noGrp="1"/>
           </p:cNvSpPr>
@@ -5372,7 +5402,7 @@
     </p:spTree>
     <p:extLst>
       <p:ext uri="{BB962C8B-B14F-4D97-AF65-F5344CB8AC3E}">
-        <p14:creationId xmlns:p14="http://schemas.microsoft.com/office/powerpoint/2010/main" val="3348128319"/>
+        <p14:creationId xmlns:p14="http://schemas.microsoft.com/office/powerpoint/2010/main" val="1915038994"/>
       </p:ext>
     </p:extLst>
   </p:cSld>
@@ -5401,50 +5431,90 @@
       </p:grpSpPr>
       <p:sp>
         <p:nvSpPr>
-          <p:cNvPr id="2" name="Title 1"/>
-          <p:cNvSpPr>
-            <a:spLocks noGrp="1"/>
-          </p:cNvSpPr>
-          <p:nvPr>
-            <p:ph type="title"/>
-          </p:nvPr>
-        </p:nvSpPr>
-        <p:spPr/>
+          <p:cNvPr id="3" name="Content Placeholder 2"/>
+          <p:cNvSpPr>
+            <a:spLocks noGrp="1"/>
+          </p:cNvSpPr>
+          <p:nvPr>
+            <p:ph idx="1"/>
+          </p:nvPr>
+        </p:nvSpPr>
+        <p:spPr>
+          <a:xfrm>
+            <a:off x="390579" y="927463"/>
+            <a:ext cx="9628632" cy="1248809"/>
+          </a:xfrm>
+        </p:spPr>
         <p:txBody>
           <a:bodyPr/>
           <a:lstStyle/>
           <a:p>
             <a:r>
               <a:rPr lang="en-US" dirty="0" smtClean="0"/>
-              <a:t>conclusion</a:t>
-            </a:r>
-            <a:endParaRPr lang="en-US" dirty="0"/>
-          </a:p>
-        </p:txBody>
-      </p:sp>
-      <p:sp>
-        <p:nvSpPr>
-          <p:cNvPr id="3" name="Content Placeholder 2"/>
-          <p:cNvSpPr>
-            <a:spLocks noGrp="1"/>
-          </p:cNvSpPr>
-          <p:nvPr>
-            <p:ph idx="1"/>
-          </p:nvPr>
-        </p:nvSpPr>
-        <p:spPr/>
-        <p:txBody>
-          <a:bodyPr/>
+              <a:t>Create maps for see the venues in each city </a:t>
+            </a:r>
+            <a:endParaRPr lang="en-US" dirty="0"/>
+          </a:p>
+        </p:txBody>
+      </p:sp>
+      <p:sp>
+        <p:nvSpPr>
+          <p:cNvPr id="4" name="Title 1"/>
+          <p:cNvSpPr>
+            <a:spLocks noGrp="1"/>
+          </p:cNvSpPr>
+          <p:nvPr>
+            <p:ph type="title"/>
+          </p:nvPr>
+        </p:nvSpPr>
+        <p:spPr>
+          <a:xfrm>
+            <a:off x="143691" y="130628"/>
+            <a:ext cx="11652069" cy="796835"/>
+          </a:xfrm>
+        </p:spPr>
+        <p:txBody>
+          <a:bodyPr>
+            <a:normAutofit fontScale="90000"/>
+          </a:bodyPr>
           <a:lstStyle/>
           <a:p>
-            <a:endParaRPr lang="en-US" dirty="0"/>
-          </a:p>
-        </p:txBody>
-      </p:sp>
+            <a:r>
+              <a:rPr lang="en-US" dirty="0" smtClean="0"/>
+              <a:t>Results</a:t>
+            </a:r>
+            <a:endParaRPr lang="en-US" dirty="0"/>
+          </a:p>
+        </p:txBody>
+      </p:sp>
+      <p:pic>
+        <p:nvPicPr>
+          <p:cNvPr id="2" name="Picture 1"/>
+          <p:cNvPicPr>
+            <a:picLocks noChangeAspect="1"/>
+          </p:cNvPicPr>
+          <p:nvPr/>
+        </p:nvPicPr>
+        <p:blipFill>
+          <a:blip r:embed="rId2"/>
+          <a:stretch>
+            <a:fillRect/>
+          </a:stretch>
+        </p:blipFill>
+        <p:spPr>
+          <a:xfrm>
+            <a:off x="1063554" y="1463040"/>
+            <a:ext cx="9870057" cy="5052333"/>
+          </a:xfrm>
+          <a:prstGeom prst="rect">
+            <a:avLst/>
+          </a:prstGeom>
+        </p:spPr>
+      </p:pic>
     </p:spTree>
     <p:extLst>
       <p:ext uri="{BB962C8B-B14F-4D97-AF65-F5344CB8AC3E}">
-        <p14:creationId xmlns:p14="http://schemas.microsoft.com/office/powerpoint/2010/main" val="4078868182"/>
+        <p14:creationId xmlns:p14="http://schemas.microsoft.com/office/powerpoint/2010/main" val="3348128319"/>
       </p:ext>
     </p:extLst>
   </p:cSld>
@@ -5473,60 +5543,175 @@
       </p:grpSpPr>
       <p:sp>
         <p:nvSpPr>
-          <p:cNvPr id="2" name="Title 1"/>
-          <p:cNvSpPr>
-            <a:spLocks noGrp="1"/>
-          </p:cNvSpPr>
-          <p:nvPr>
-            <p:ph type="title"/>
-          </p:nvPr>
-        </p:nvSpPr>
-        <p:spPr/>
+          <p:cNvPr id="3" name="Content Placeholder 2"/>
+          <p:cNvSpPr>
+            <a:spLocks noGrp="1"/>
+          </p:cNvSpPr>
+          <p:nvPr>
+            <p:ph idx="1"/>
+          </p:nvPr>
+        </p:nvSpPr>
+        <p:spPr>
+          <a:xfrm>
+            <a:off x="273014" y="927464"/>
+            <a:ext cx="9223683" cy="1071154"/>
+          </a:xfrm>
+        </p:spPr>
         <p:txBody>
           <a:bodyPr/>
           <a:lstStyle/>
           <a:p>
             <a:r>
+              <a:rPr lang="en-US" dirty="0"/>
+              <a:t>Create maps for see the venues in each city </a:t>
+            </a:r>
+          </a:p>
+          <a:p>
+            <a:pPr marL="0" indent="0">
+              <a:buNone/>
+            </a:pPr>
+            <a:endParaRPr lang="en-US" dirty="0"/>
+          </a:p>
+        </p:txBody>
+      </p:sp>
+      <p:sp>
+        <p:nvSpPr>
+          <p:cNvPr id="4" name="Title 1"/>
+          <p:cNvSpPr>
+            <a:spLocks noGrp="1"/>
+          </p:cNvSpPr>
+          <p:nvPr>
+            <p:ph type="title"/>
+          </p:nvPr>
+        </p:nvSpPr>
+        <p:spPr>
+          <a:xfrm>
+            <a:off x="143691" y="130628"/>
+            <a:ext cx="11652069" cy="796835"/>
+          </a:xfrm>
+        </p:spPr>
+        <p:txBody>
+          <a:bodyPr>
+            <a:normAutofit fontScale="90000"/>
+          </a:bodyPr>
+          <a:lstStyle/>
+          <a:p>
+            <a:r>
               <a:rPr lang="en-US" dirty="0" smtClean="0"/>
-              <a:t>References &amp; </a:t>
-            </a:r>
-            <a:r>
-              <a:rPr lang="en-US" dirty="0" err="1" smtClean="0"/>
-              <a:t>recomendation</a:t>
-            </a:r>
-            <a:endParaRPr lang="en-US" dirty="0"/>
-          </a:p>
-        </p:txBody>
-      </p:sp>
-      <p:sp>
-        <p:nvSpPr>
-          <p:cNvPr id="3" name="Text Placeholder 2"/>
-          <p:cNvSpPr>
-            <a:spLocks noGrp="1"/>
-          </p:cNvSpPr>
-          <p:nvPr>
-            <p:ph type="body" idx="1"/>
-          </p:nvPr>
-        </p:nvSpPr>
-        <p:spPr/>
-        <p:txBody>
-          <a:bodyPr/>
-          <a:lstStyle/>
-          <a:p>
-            <a:r>
-              <a:rPr lang="en-US" dirty="0">
-                <a:hlinkClick r:id="rId2"/>
-              </a:rPr>
-              <a:t>https://github.com/shelsyayiti/Ayiti_Analytics_ShelsyDalcide</a:t>
-            </a:r>
-            <a:endParaRPr lang="en-US" dirty="0"/>
-          </a:p>
-        </p:txBody>
-      </p:sp>
+              <a:t>Results</a:t>
+            </a:r>
+            <a:endParaRPr lang="en-US" dirty="0"/>
+          </a:p>
+        </p:txBody>
+      </p:sp>
+      <p:pic>
+        <p:nvPicPr>
+          <p:cNvPr id="5" name="Picture 4"/>
+          <p:cNvPicPr>
+            <a:picLocks noChangeAspect="1"/>
+          </p:cNvPicPr>
+          <p:nvPr/>
+        </p:nvPicPr>
+        <p:blipFill>
+          <a:blip r:embed="rId2"/>
+          <a:stretch>
+            <a:fillRect/>
+          </a:stretch>
+        </p:blipFill>
+        <p:spPr>
+          <a:xfrm>
+            <a:off x="1595846" y="2245914"/>
+            <a:ext cx="7417526" cy="4115426"/>
+          </a:xfrm>
+          <a:prstGeom prst="rect">
+            <a:avLst/>
+          </a:prstGeom>
+        </p:spPr>
+      </p:pic>
     </p:spTree>
     <p:extLst>
       <p:ext uri="{BB962C8B-B14F-4D97-AF65-F5344CB8AC3E}">
-        <p14:creationId xmlns:p14="http://schemas.microsoft.com/office/powerpoint/2010/main" val="2077349883"/>
+        <p14:creationId xmlns:p14="http://schemas.microsoft.com/office/powerpoint/2010/main" val="876619592"/>
+      </p:ext>
+    </p:extLst>
+  </p:cSld>
+  <p:clrMapOvr>
+    <a:masterClrMapping/>
+  </p:clrMapOvr>
+</p:sld>
+</file>
+
+<file path=ppt/slides/slide19.xml><?xml version="1.0" encoding="utf-8"?>
+<p:sld xmlns:a="http://schemas.openxmlformats.org/drawingml/2006/main" xmlns:r="http://schemas.openxmlformats.org/officeDocument/2006/relationships" xmlns:p="http://schemas.openxmlformats.org/presentationml/2006/main">
+  <p:cSld>
+    <p:spTree>
+      <p:nvGrpSpPr>
+        <p:cNvPr id="1" name=""/>
+        <p:cNvGrpSpPr/>
+        <p:nvPr/>
+      </p:nvGrpSpPr>
+      <p:grpSpPr>
+        <a:xfrm>
+          <a:off x="0" y="0"/>
+          <a:ext cx="0" cy="0"/>
+          <a:chOff x="0" y="0"/>
+          <a:chExt cx="0" cy="0"/>
+        </a:xfrm>
+      </p:grpSpPr>
+      <p:sp>
+        <p:nvSpPr>
+          <p:cNvPr id="2" name="Title 1"/>
+          <p:cNvSpPr>
+            <a:spLocks noGrp="1"/>
+          </p:cNvSpPr>
+          <p:nvPr>
+            <p:ph type="title"/>
+          </p:nvPr>
+        </p:nvSpPr>
+        <p:spPr/>
+        <p:txBody>
+          <a:bodyPr/>
+          <a:lstStyle/>
+          <a:p>
+            <a:r>
+              <a:rPr lang="en-US" dirty="0" smtClean="0"/>
+              <a:t>conclusion</a:t>
+            </a:r>
+            <a:endParaRPr lang="en-US" dirty="0"/>
+          </a:p>
+        </p:txBody>
+      </p:sp>
+      <p:sp>
+        <p:nvSpPr>
+          <p:cNvPr id="3" name="Content Placeholder 2"/>
+          <p:cNvSpPr>
+            <a:spLocks noGrp="1"/>
+          </p:cNvSpPr>
+          <p:nvPr>
+            <p:ph idx="1"/>
+          </p:nvPr>
+        </p:nvSpPr>
+        <p:spPr/>
+        <p:txBody>
+          <a:bodyPr/>
+          <a:lstStyle/>
+          <a:p>
+            <a:r>
+              <a:rPr lang="en-US" dirty="0"/>
+              <a:t>After our analysis we noticed that the city of Illinois that has the cheapest house price is Wilsonville, IL. from where we can deduce that people will be able to settle more easily since the house prices are at least $40,000 whether the person has an adequate salary or not he will be able to enter this city which will be easier for him to find a house and his other usual places in his previous city, so that he can start a new life</a:t>
+            </a:r>
+            <a:r>
+              <a:rPr lang="en-US" dirty="0" smtClean="0"/>
+              <a:t>.</a:t>
+            </a:r>
+            <a:endParaRPr lang="en-US" dirty="0"/>
+          </a:p>
+        </p:txBody>
+      </p:sp>
+    </p:spTree>
+    <p:extLst>
+      <p:ext uri="{BB962C8B-B14F-4D97-AF65-F5344CB8AC3E}">
+        <p14:creationId xmlns:p14="http://schemas.microsoft.com/office/powerpoint/2010/main" val="4078868182"/>
       </p:ext>
     </p:extLst>
   </p:cSld>
@@ -5726,6 +5911,88 @@
     <p:extLst>
       <p:ext uri="{BB962C8B-B14F-4D97-AF65-F5344CB8AC3E}">
         <p14:creationId xmlns:p14="http://schemas.microsoft.com/office/powerpoint/2010/main" val="204001128"/>
+      </p:ext>
+    </p:extLst>
+  </p:cSld>
+  <p:clrMapOvr>
+    <a:masterClrMapping/>
+  </p:clrMapOvr>
+</p:sld>
+</file>
+
+<file path=ppt/slides/slide20.xml><?xml version="1.0" encoding="utf-8"?>
+<p:sld xmlns:a="http://schemas.openxmlformats.org/drawingml/2006/main" xmlns:r="http://schemas.openxmlformats.org/officeDocument/2006/relationships" xmlns:p="http://schemas.openxmlformats.org/presentationml/2006/main">
+  <p:cSld>
+    <p:spTree>
+      <p:nvGrpSpPr>
+        <p:cNvPr id="1" name=""/>
+        <p:cNvGrpSpPr/>
+        <p:nvPr/>
+      </p:nvGrpSpPr>
+      <p:grpSpPr>
+        <a:xfrm>
+          <a:off x="0" y="0"/>
+          <a:ext cx="0" cy="0"/>
+          <a:chOff x="0" y="0"/>
+          <a:chExt cx="0" cy="0"/>
+        </a:xfrm>
+      </p:grpSpPr>
+      <p:sp>
+        <p:nvSpPr>
+          <p:cNvPr id="2" name="Title 1"/>
+          <p:cNvSpPr>
+            <a:spLocks noGrp="1"/>
+          </p:cNvSpPr>
+          <p:nvPr>
+            <p:ph type="title"/>
+          </p:nvPr>
+        </p:nvSpPr>
+        <p:spPr/>
+        <p:txBody>
+          <a:bodyPr/>
+          <a:lstStyle/>
+          <a:p>
+            <a:r>
+              <a:rPr lang="en-US" dirty="0" smtClean="0"/>
+              <a:t>References &amp; </a:t>
+            </a:r>
+            <a:r>
+              <a:rPr lang="en-US" dirty="0" err="1" smtClean="0"/>
+              <a:t>recomendation</a:t>
+            </a:r>
+            <a:endParaRPr lang="en-US" dirty="0"/>
+          </a:p>
+        </p:txBody>
+      </p:sp>
+      <p:sp>
+        <p:nvSpPr>
+          <p:cNvPr id="3" name="Text Placeholder 2"/>
+          <p:cNvSpPr>
+            <a:spLocks noGrp="1"/>
+          </p:cNvSpPr>
+          <p:nvPr>
+            <p:ph type="body" idx="1"/>
+          </p:nvPr>
+        </p:nvSpPr>
+        <p:spPr/>
+        <p:txBody>
+          <a:bodyPr/>
+          <a:lstStyle/>
+          <a:p>
+            <a:r>
+              <a:rPr lang="en-US" dirty="0">
+                <a:hlinkClick r:id="rId2"/>
+              </a:rPr>
+              <a:t>https://github.com/shelsyayiti/Ayiti_Analytics_ShelsyDalcide</a:t>
+            </a:r>
+            <a:endParaRPr lang="en-US" dirty="0"/>
+          </a:p>
+        </p:txBody>
+      </p:sp>
+    </p:spTree>
+    <p:extLst>
+      <p:ext uri="{BB962C8B-B14F-4D97-AF65-F5344CB8AC3E}">
+        <p14:creationId xmlns:p14="http://schemas.microsoft.com/office/powerpoint/2010/main" val="2077349883"/>
       </p:ext>
     </p:extLst>
   </p:cSld>
@@ -6524,18 +6791,7 @@
                   </a:schemeClr>
                 </a:solidFill>
               </a:rPr>
-              <a:t>Our job is to help someone moving to Illinois to find a house in a safe area so that they are comfortable and at an adequate price after getting information about the wages of people living in Chicago. </a:t>
-            </a:r>
-            <a:r>
-              <a:rPr lang="en-US" dirty="0">
-                <a:solidFill>
-                  <a:schemeClr val="tx1">
-                    <a:lumMod val="65000"/>
-                    <a:lumOff val="35000"/>
-                  </a:schemeClr>
-                </a:solidFill>
-              </a:rPr>
-              <a:t>For our work we did the web scrapping to extract data </a:t>
+              <a:t>Our job is to help someone moving to Illinois to find a house in a safe area so that they are comfortable and at an adequate price after getting information about the wages of people living in Chicago. For our work we did the web scrapping to extract data </a:t>
             </a:r>
             <a:r>
               <a:rPr lang="en-US" dirty="0" smtClean="0">
@@ -7017,18 +7273,7 @@
                   </a:schemeClr>
                 </a:solidFill>
               </a:rPr>
-              <a:t>maximum salaries</a:t>
-            </a:r>
-            <a:r>
-              <a:rPr lang="en-US" dirty="0" smtClean="0">
-                <a:solidFill>
-                  <a:schemeClr val="tx1">
-                    <a:lumMod val="65000"/>
-                    <a:lumOff val="35000"/>
-                  </a:schemeClr>
-                </a:solidFill>
-              </a:rPr>
-              <a:t>.</a:t>
+              <a:t>maximum salaries.</a:t>
             </a:r>
           </a:p>
           <a:p>
